--- a/jolt elevator storyboard 1.pptx
+++ b/jolt elevator storyboard 1.pptx
@@ -118,7 +118,7 @@
   </p:defaultTextStyle>
   <p:extLst>
     <p:ext uri="{EFAFB233-063F-42B5-8137-9DF3F51BA10A}">
-      <p15:sldGuideLst xmlns="" xmlns:p15="http://schemas.microsoft.com/office/powerpoint/2012/main">
+      <p15:sldGuideLst xmlns:p15="http://schemas.microsoft.com/office/powerpoint/2012/main" xmlns="">
         <p15:guide id="1" orient="horz" pos="218">
           <p15:clr>
             <a:srgbClr val="A4A3A4"/>
@@ -227,7 +227,7 @@
           <a:p>
             <a:fld id="{A9DDBE22-AA62-4C59-8F60-0D9DE3033E34}" type="datetimeFigureOut">
               <a:rPr lang="en-GB" smtClean="0"/>
-              <a:t>22/10/2013</a:t>
+              <a:t>25/10/2013</a:t>
             </a:fld>
             <a:endParaRPr lang="en-GB"/>
           </a:p>
@@ -5942,7 +5942,7 @@
           <a:bodyPr/>
           <a:lstStyle/>
           <a:p>
-            <a:endParaRPr lang="en-GB"/>
+            <a:endParaRPr lang="en-GB" dirty="0"/>
           </a:p>
         </p:txBody>
       </p:sp>
@@ -6359,11 +6359,7 @@
             <a:pPr lvl="1"/>
             <a:r>
               <a:rPr lang="en-GB" dirty="0" smtClean="0"/>
-              <a:t>customer dials </a:t>
-            </a:r>
-            <a:r>
-              <a:rPr lang="en-GB" dirty="0" smtClean="0"/>
-              <a:t>into the call </a:t>
+              <a:t>customer dials into the call </a:t>
             </a:r>
             <a:r>
               <a:rPr lang="en-GB" dirty="0" err="1" smtClean="0"/>
@@ -6393,15 +6389,7 @@
             </a:r>
             <a:r>
               <a:rPr lang="en-GB" dirty="0" smtClean="0"/>
-              <a:t>icket might be generated by </a:t>
-            </a:r>
-            <a:r>
-              <a:rPr lang="en-GB" dirty="0" smtClean="0"/>
-              <a:t>machine or </a:t>
-            </a:r>
-            <a:r>
-              <a:rPr lang="en-GB" dirty="0" smtClean="0"/>
-              <a:t>by technician on-site</a:t>
+              <a:t>icket might be generated by machine or by technician on-site</a:t>
             </a:r>
           </a:p>
           <a:p>
@@ -6412,11 +6400,7 @@
             </a:r>
             <a:r>
               <a:rPr lang="en-GB" dirty="0" smtClean="0"/>
-              <a:t>ompany policy </a:t>
-            </a:r>
-            <a:r>
-              <a:rPr lang="en-GB" dirty="0" smtClean="0"/>
-              <a:t>dependant, of course …</a:t>
+              <a:t>ompany policy dependant, of course …</a:t>
             </a:r>
           </a:p>
           <a:p>
@@ -7016,8 +7000,8 @@
         </p:nvSpPr>
         <p:spPr>
           <a:xfrm>
-            <a:off x="219456" y="3951670"/>
-            <a:ext cx="8699737" cy="2458274"/>
+            <a:off x="219456" y="3519622"/>
+            <a:ext cx="8699737" cy="2890322"/>
           </a:xfrm>
         </p:spPr>
         <p:txBody>
@@ -7079,13 +7063,32 @@
             <a:pPr lvl="1"/>
             <a:r>
               <a:rPr lang="en-GB" dirty="0" smtClean="0"/>
-              <a:t>*this* ticket history</a:t>
-            </a:r>
-          </a:p>
-          <a:p>
+              <a:t>*this* ticket </a:t>
+            </a:r>
             <a:r>
               <a:rPr lang="en-GB" dirty="0" smtClean="0"/>
-              <a:t>optionally download/cache other information he thinks could be useful</a:t>
+              <a:t>history</a:t>
+            </a:r>
+          </a:p>
+          <a:p>
+            <a:r>
+              <a:rPr lang="en-GB" dirty="0" smtClean="0"/>
+              <a:t>All presented in “</a:t>
+            </a:r>
+            <a:r>
+              <a:rPr lang="en-GB" smtClean="0"/>
+              <a:t>glossy magazine” format</a:t>
+            </a:r>
+            <a:endParaRPr lang="en-GB" dirty="0" smtClean="0"/>
+          </a:p>
+          <a:p>
+            <a:r>
+              <a:rPr lang="en-GB" dirty="0" smtClean="0"/>
+              <a:t>optionally </a:t>
+            </a:r>
+            <a:r>
+              <a:rPr lang="en-GB" dirty="0" smtClean="0"/>
+              <a:t>download/cache other information he thinks could be useful</a:t>
             </a:r>
           </a:p>
           <a:p>
@@ -7177,7 +7180,7 @@
         </p:blipFill>
         <p:spPr bwMode="auto">
           <a:xfrm>
-            <a:off x="3238861" y="1268760"/>
+            <a:off x="3238861" y="836712"/>
             <a:ext cx="2361363" cy="2682910"/>
           </a:xfrm>
           <a:prstGeom prst="rect">
@@ -8914,7 +8917,7 @@
   <a:extraClrSchemeLst/>
   <a:extLst>
     <a:ext uri="{05A4C25C-085E-4340-85A3-A5531E510DB2}">
-      <thm15:themeFamily xmlns="" xmlns:thm15="http://schemas.microsoft.com/office/thememl/2012/main" name="Default Theme" id="{60D8BA8C-9729-41DF-95DA-F7E2EA5BAF67}" vid="{20480253-1F85-40A7-9C79-C403C37E6553}"/>
+      <thm15:themeFamily xmlns:thm15="http://schemas.microsoft.com/office/thememl/2012/main" xmlns="" name="Default Theme" id="{60D8BA8C-9729-41DF-95DA-F7E2EA5BAF67}" vid="{20480253-1F85-40A7-9C79-C403C37E6553}"/>
     </a:ext>
   </a:extLst>
 </a:theme>
